--- a/StudentGuideModule1/force2/force2_fig1_new.pptx
+++ b/StudentGuideModule1/force2/force2_fig1_new.pptx
@@ -259,7 +259,7 @@
           <a:p>
             <a:fld id="{377B2A8C-288D-4ED9-9970-2399C2510545}" type="datetimeFigureOut">
               <a:rPr lang="en-US" smtClean="0"/>
-              <a:t>7/24/2019</a:t>
+              <a:t>7/25/2019</a:t>
             </a:fld>
             <a:endParaRPr lang="en-US"/>
           </a:p>
@@ -457,7 +457,7 @@
           <a:p>
             <a:fld id="{377B2A8C-288D-4ED9-9970-2399C2510545}" type="datetimeFigureOut">
               <a:rPr lang="en-US" smtClean="0"/>
-              <a:t>7/24/2019</a:t>
+              <a:t>7/25/2019</a:t>
             </a:fld>
             <a:endParaRPr lang="en-US"/>
           </a:p>
@@ -665,7 +665,7 @@
           <a:p>
             <a:fld id="{377B2A8C-288D-4ED9-9970-2399C2510545}" type="datetimeFigureOut">
               <a:rPr lang="en-US" smtClean="0"/>
-              <a:t>7/24/2019</a:t>
+              <a:t>7/25/2019</a:t>
             </a:fld>
             <a:endParaRPr lang="en-US"/>
           </a:p>
@@ -863,7 +863,7 @@
           <a:p>
             <a:fld id="{377B2A8C-288D-4ED9-9970-2399C2510545}" type="datetimeFigureOut">
               <a:rPr lang="en-US" smtClean="0"/>
-              <a:t>7/24/2019</a:t>
+              <a:t>7/25/2019</a:t>
             </a:fld>
             <a:endParaRPr lang="en-US"/>
           </a:p>
@@ -1061,7 +1061,7 @@
           <a:p>
             <a:fld id="{377B2A8C-288D-4ED9-9970-2399C2510545}" type="datetimeFigureOut">
               <a:rPr lang="en-US" smtClean="0"/>
-              <a:t>7/24/2019</a:t>
+              <a:t>7/25/2019</a:t>
             </a:fld>
             <a:endParaRPr lang="en-US"/>
           </a:p>
@@ -1336,7 +1336,7 @@
           <a:p>
             <a:fld id="{377B2A8C-288D-4ED9-9970-2399C2510545}" type="datetimeFigureOut">
               <a:rPr lang="en-US" smtClean="0"/>
-              <a:t>7/24/2019</a:t>
+              <a:t>7/25/2019</a:t>
             </a:fld>
             <a:endParaRPr lang="en-US"/>
           </a:p>
@@ -1601,7 +1601,7 @@
           <a:p>
             <a:fld id="{377B2A8C-288D-4ED9-9970-2399C2510545}" type="datetimeFigureOut">
               <a:rPr lang="en-US" smtClean="0"/>
-              <a:t>7/24/2019</a:t>
+              <a:t>7/25/2019</a:t>
             </a:fld>
             <a:endParaRPr lang="en-US"/>
           </a:p>
@@ -2013,7 +2013,7 @@
           <a:p>
             <a:fld id="{377B2A8C-288D-4ED9-9970-2399C2510545}" type="datetimeFigureOut">
               <a:rPr lang="en-US" smtClean="0"/>
-              <a:t>7/24/2019</a:t>
+              <a:t>7/25/2019</a:t>
             </a:fld>
             <a:endParaRPr lang="en-US"/>
           </a:p>
@@ -2154,7 +2154,7 @@
           <a:p>
             <a:fld id="{377B2A8C-288D-4ED9-9970-2399C2510545}" type="datetimeFigureOut">
               <a:rPr lang="en-US" smtClean="0"/>
-              <a:t>7/24/2019</a:t>
+              <a:t>7/25/2019</a:t>
             </a:fld>
             <a:endParaRPr lang="en-US"/>
           </a:p>
@@ -2267,7 +2267,7 @@
           <a:p>
             <a:fld id="{377B2A8C-288D-4ED9-9970-2399C2510545}" type="datetimeFigureOut">
               <a:rPr lang="en-US" smtClean="0"/>
-              <a:t>7/24/2019</a:t>
+              <a:t>7/25/2019</a:t>
             </a:fld>
             <a:endParaRPr lang="en-US"/>
           </a:p>
@@ -2578,7 +2578,7 @@
           <a:p>
             <a:fld id="{377B2A8C-288D-4ED9-9970-2399C2510545}" type="datetimeFigureOut">
               <a:rPr lang="en-US" smtClean="0"/>
-              <a:t>7/24/2019</a:t>
+              <a:t>7/25/2019</a:t>
             </a:fld>
             <a:endParaRPr lang="en-US"/>
           </a:p>
@@ -2869,7 +2869,7 @@
           <a:p>
             <a:fld id="{377B2A8C-288D-4ED9-9970-2399C2510545}" type="datetimeFigureOut">
               <a:rPr lang="en-US" smtClean="0"/>
-              <a:t>7/24/2019</a:t>
+              <a:t>7/25/2019</a:t>
             </a:fld>
             <a:endParaRPr lang="en-US"/>
           </a:p>
@@ -3110,7 +3110,7 @@
           <a:p>
             <a:fld id="{377B2A8C-288D-4ED9-9970-2399C2510545}" type="datetimeFigureOut">
               <a:rPr lang="en-US" smtClean="0"/>
-              <a:t>7/24/2019</a:t>
+              <a:t>7/25/2019</a:t>
             </a:fld>
             <a:endParaRPr lang="en-US"/>
           </a:p>
@@ -3614,7 +3614,7 @@
             </a:prstGeom>
             <a:ln w="25400">
               <a:solidFill>
-                <a:srgbClr val="FF0000"/>
+                <a:schemeClr val="tx1"/>
               </a:solidFill>
               <a:headEnd w="lg" len="lg"/>
               <a:tailEnd type="triangle" w="lg" len="lg"/>
@@ -3659,7 +3659,7 @@
             </a:prstGeom>
             <a:ln w="25400">
               <a:solidFill>
-                <a:srgbClr val="0070C0"/>
+                <a:schemeClr val="tx1"/>
               </a:solidFill>
               <a:headEnd w="lg" len="lg"/>
               <a:tailEnd type="triangle" w="lg" len="lg"/>
